--- a/Chapitre_01_Energetique/Application_01_MC2E/images/Figures.pptx
+++ b/Chapitre_01_Energetique/Application_01_MC2E/images/Figures.pptx
@@ -12,6 +12,7 @@
     <p:sldId id="259" r:id="rId6"/>
     <p:sldId id="258" r:id="rId7"/>
     <p:sldId id="263" r:id="rId8"/>
+    <p:sldId id="264" r:id="rId9"/>
   </p:sldIdLst>
   <p:sldSz cx="9144000" cy="6858000" type="screen4x3"/>
   <p:notesSz cx="6858000" cy="9144000"/>
@@ -294,7 +295,7 @@
           <a:p>
             <a:fld id="{AA309A6D-C09C-4548-B29A-6CF363A7E532}" type="datetimeFigureOut">
               <a:rPr lang="fr-FR" smtClean="0"/>
-              <a:t>30/03/2018</a:t>
+              <a:t>12/04/2018</a:t>
             </a:fld>
             <a:endParaRPr lang="fr-BE"/>
           </a:p>
@@ -459,7 +460,7 @@
           <a:p>
             <a:fld id="{AA309A6D-C09C-4548-B29A-6CF363A7E532}" type="datetimeFigureOut">
               <a:rPr lang="fr-FR" smtClean="0"/>
-              <a:t>30/03/2018</a:t>
+              <a:t>12/04/2018</a:t>
             </a:fld>
             <a:endParaRPr lang="fr-BE"/>
           </a:p>
@@ -634,7 +635,7 @@
           <a:p>
             <a:fld id="{AA309A6D-C09C-4548-B29A-6CF363A7E532}" type="datetimeFigureOut">
               <a:rPr lang="fr-FR" smtClean="0"/>
-              <a:t>30/03/2018</a:t>
+              <a:t>12/04/2018</a:t>
             </a:fld>
             <a:endParaRPr lang="fr-BE"/>
           </a:p>
@@ -799,7 +800,7 @@
           <a:p>
             <a:fld id="{AA309A6D-C09C-4548-B29A-6CF363A7E532}" type="datetimeFigureOut">
               <a:rPr lang="fr-FR" smtClean="0"/>
-              <a:t>30/03/2018</a:t>
+              <a:t>12/04/2018</a:t>
             </a:fld>
             <a:endParaRPr lang="fr-BE"/>
           </a:p>
@@ -1040,7 +1041,7 @@
           <a:p>
             <a:fld id="{AA309A6D-C09C-4548-B29A-6CF363A7E532}" type="datetimeFigureOut">
               <a:rPr lang="fr-FR" smtClean="0"/>
-              <a:t>30/03/2018</a:t>
+              <a:t>12/04/2018</a:t>
             </a:fld>
             <a:endParaRPr lang="fr-BE"/>
           </a:p>
@@ -1323,7 +1324,7 @@
           <a:p>
             <a:fld id="{AA309A6D-C09C-4548-B29A-6CF363A7E532}" type="datetimeFigureOut">
               <a:rPr lang="fr-FR" smtClean="0"/>
-              <a:t>30/03/2018</a:t>
+              <a:t>12/04/2018</a:t>
             </a:fld>
             <a:endParaRPr lang="fr-BE"/>
           </a:p>
@@ -1740,7 +1741,7 @@
           <a:p>
             <a:fld id="{AA309A6D-C09C-4548-B29A-6CF363A7E532}" type="datetimeFigureOut">
               <a:rPr lang="fr-FR" smtClean="0"/>
-              <a:t>30/03/2018</a:t>
+              <a:t>12/04/2018</a:t>
             </a:fld>
             <a:endParaRPr lang="fr-BE"/>
           </a:p>
@@ -1853,7 +1854,7 @@
           <a:p>
             <a:fld id="{AA309A6D-C09C-4548-B29A-6CF363A7E532}" type="datetimeFigureOut">
               <a:rPr lang="fr-FR" smtClean="0"/>
-              <a:t>30/03/2018</a:t>
+              <a:t>12/04/2018</a:t>
             </a:fld>
             <a:endParaRPr lang="fr-BE"/>
           </a:p>
@@ -1943,7 +1944,7 @@
           <a:p>
             <a:fld id="{AA309A6D-C09C-4548-B29A-6CF363A7E532}" type="datetimeFigureOut">
               <a:rPr lang="fr-FR" smtClean="0"/>
-              <a:t>30/03/2018</a:t>
+              <a:t>12/04/2018</a:t>
             </a:fld>
             <a:endParaRPr lang="fr-BE"/>
           </a:p>
@@ -2215,7 +2216,7 @@
           <a:p>
             <a:fld id="{AA309A6D-C09C-4548-B29A-6CF363A7E532}" type="datetimeFigureOut">
               <a:rPr lang="fr-FR" smtClean="0"/>
-              <a:t>30/03/2018</a:t>
+              <a:t>12/04/2018</a:t>
             </a:fld>
             <a:endParaRPr lang="fr-BE"/>
           </a:p>
@@ -2463,7 +2464,7 @@
           <a:p>
             <a:fld id="{AA309A6D-C09C-4548-B29A-6CF363A7E532}" type="datetimeFigureOut">
               <a:rPr lang="fr-FR" smtClean="0"/>
-              <a:t>30/03/2018</a:t>
+              <a:t>12/04/2018</a:t>
             </a:fld>
             <a:endParaRPr lang="fr-BE"/>
           </a:p>
@@ -2671,7 +2672,7 @@
           <a:p>
             <a:fld id="{AA309A6D-C09C-4548-B29A-6CF363A7E532}" type="datetimeFigureOut">
               <a:rPr lang="fr-FR" smtClean="0"/>
-              <a:t>30/03/2018</a:t>
+              <a:t>12/04/2018</a:t>
             </a:fld>
             <a:endParaRPr lang="fr-BE"/>
           </a:p>
@@ -13030,8 +13031,8 @@
           </a:fontRef>
         </p:style>
       </p:cxnSp>
-      <mc:AlternateContent xmlns:mc="http://schemas.openxmlformats.org/markup-compatibility/2006">
-        <mc:Choice xmlns:a14="http://schemas.microsoft.com/office/drawing/2010/main" Requires="a14">
+      <mc:AlternateContent xmlns:mc="http://schemas.openxmlformats.org/markup-compatibility/2006" xmlns:a14="http://schemas.microsoft.com/office/drawing/2010/main">
+        <mc:Choice Requires="a14">
           <p:sp>
             <p:nvSpPr>
               <p:cNvPr id="31" name="ZoneTexte 30"/>
@@ -13127,7 +13128,7 @@
             </p:txBody>
           </p:sp>
         </mc:Choice>
-        <mc:Fallback>
+        <mc:Fallback xmlns="">
           <p:sp>
             <p:nvSpPr>
               <p:cNvPr id="31" name="ZoneTexte 30"/>
@@ -13166,8 +13167,8 @@
           </p:sp>
         </mc:Fallback>
       </mc:AlternateContent>
-      <mc:AlternateContent xmlns:mc="http://schemas.openxmlformats.org/markup-compatibility/2006">
-        <mc:Choice xmlns:a14="http://schemas.microsoft.com/office/drawing/2010/main" Requires="a14">
+      <mc:AlternateContent xmlns:mc="http://schemas.openxmlformats.org/markup-compatibility/2006" xmlns:a14="http://schemas.microsoft.com/office/drawing/2010/main">
+        <mc:Choice Requires="a14">
           <p:sp>
             <p:nvSpPr>
               <p:cNvPr id="32" name="ZoneTexte 31"/>
@@ -13263,7 +13264,7 @@
             </p:txBody>
           </p:sp>
         </mc:Choice>
-        <mc:Fallback>
+        <mc:Fallback xmlns="">
           <p:sp>
             <p:nvSpPr>
               <p:cNvPr id="32" name="ZoneTexte 31"/>
@@ -13302,8 +13303,8 @@
           </p:sp>
         </mc:Fallback>
       </mc:AlternateContent>
-      <mc:AlternateContent xmlns:mc="http://schemas.openxmlformats.org/markup-compatibility/2006">
-        <mc:Choice xmlns:a14="http://schemas.microsoft.com/office/drawing/2010/main" Requires="a14">
+      <mc:AlternateContent xmlns:mc="http://schemas.openxmlformats.org/markup-compatibility/2006" xmlns:a14="http://schemas.microsoft.com/office/drawing/2010/main">
+        <mc:Choice Requires="a14">
           <p:sp>
             <p:nvSpPr>
               <p:cNvPr id="33" name="ZoneTexte 32"/>
@@ -13399,7 +13400,7 @@
             </p:txBody>
           </p:sp>
         </mc:Choice>
-        <mc:Fallback>
+        <mc:Fallback xmlns="">
           <p:sp>
             <p:nvSpPr>
               <p:cNvPr id="33" name="ZoneTexte 32"/>
@@ -13438,8 +13439,8 @@
           </p:sp>
         </mc:Fallback>
       </mc:AlternateContent>
-      <mc:AlternateContent xmlns:mc="http://schemas.openxmlformats.org/markup-compatibility/2006">
-        <mc:Choice xmlns:a14="http://schemas.microsoft.com/office/drawing/2010/main" Requires="a14">
+      <mc:AlternateContent xmlns:mc="http://schemas.openxmlformats.org/markup-compatibility/2006" xmlns:a14="http://schemas.microsoft.com/office/drawing/2010/main">
+        <mc:Choice Requires="a14">
           <p:sp>
             <p:nvSpPr>
               <p:cNvPr id="34" name="ZoneTexte 33"/>
@@ -13523,7 +13524,7 @@
             </p:txBody>
           </p:sp>
         </mc:Choice>
-        <mc:Fallback>
+        <mc:Fallback xmlns="">
           <p:sp>
             <p:nvSpPr>
               <p:cNvPr id="34" name="ZoneTexte 33"/>
@@ -13727,6 +13728,1825 @@
     <p:extLst>
       <p:ext uri="{BB962C8B-B14F-4D97-AF65-F5344CB8AC3E}">
         <p14:creationId xmlns:p14="http://schemas.microsoft.com/office/powerpoint/2010/main" val="1567687556"/>
+      </p:ext>
+    </p:extLst>
+  </p:cSld>
+  <p:clrMapOvr>
+    <a:masterClrMapping/>
+  </p:clrMapOvr>
+</p:sld>
+</file>
+
+<file path=ppt/slides/slide8.xml><?xml version="1.0" encoding="utf-8"?>
+<p:sld xmlns:a="http://schemas.openxmlformats.org/drawingml/2006/main" xmlns:r="http://schemas.openxmlformats.org/officeDocument/2006/relationships" xmlns:p="http://schemas.openxmlformats.org/presentationml/2006/main">
+  <p:cSld>
+    <p:spTree>
+      <p:nvGrpSpPr>
+        <p:cNvPr id="1" name=""/>
+        <p:cNvGrpSpPr/>
+        <p:nvPr/>
+      </p:nvGrpSpPr>
+      <p:grpSpPr>
+        <a:xfrm>
+          <a:off x="0" y="0"/>
+          <a:ext cx="0" cy="0"/>
+          <a:chOff x="0" y="0"/>
+          <a:chExt cx="0" cy="0"/>
+        </a:xfrm>
+      </p:grpSpPr>
+      <p:cxnSp>
+        <p:nvCxnSpPr>
+          <p:cNvPr id="92" name="Connecteur droit 91"/>
+          <p:cNvCxnSpPr>
+            <a:endCxn id="28" idx="0"/>
+          </p:cNvCxnSpPr>
+          <p:nvPr/>
+        </p:nvCxnSpPr>
+        <p:spPr>
+          <a:xfrm flipV="1">
+            <a:off x="1215288" y="3754299"/>
+            <a:ext cx="127" cy="1068857"/>
+          </a:xfrm>
+          <a:prstGeom prst="line">
+            <a:avLst/>
+          </a:prstGeom>
+          <a:ln w="19050">
+            <a:solidFill>
+              <a:schemeClr val="tx1"/>
+            </a:solidFill>
+          </a:ln>
+        </p:spPr>
+        <p:style>
+          <a:lnRef idx="1">
+            <a:schemeClr val="accent1"/>
+          </a:lnRef>
+          <a:fillRef idx="0">
+            <a:schemeClr val="accent1"/>
+          </a:fillRef>
+          <a:effectRef idx="0">
+            <a:schemeClr val="accent1"/>
+          </a:effectRef>
+          <a:fontRef idx="minor">
+            <a:schemeClr val="tx1"/>
+          </a:fontRef>
+        </p:style>
+      </p:cxnSp>
+      <p:sp>
+        <p:nvSpPr>
+          <p:cNvPr id="31" name="ZoneTexte 30"/>
+          <p:cNvSpPr txBox="1"/>
+          <p:nvPr/>
+        </p:nvSpPr>
+        <p:spPr>
+          <a:xfrm>
+            <a:off x="1215416" y="2069048"/>
+            <a:ext cx="1497526" cy="261610"/>
+          </a:xfrm>
+          <a:prstGeom prst="rect">
+            <a:avLst/>
+          </a:prstGeom>
+          <a:noFill/>
+        </p:spPr>
+        <p:txBody>
+          <a:bodyPr wrap="none" rtlCol="0">
+            <a:spAutoFit/>
+          </a:bodyPr>
+          <a:lstStyle/>
+          <a:p>
+            <a:r>
+              <a:rPr lang="fr-FR" sz="1100" b="0" dirty="0" smtClean="0"/>
+              <a:t>Poulie – courroie (P-C) </a:t>
+            </a:r>
+            <a:endParaRPr lang="fr-FR" sz="1100" dirty="0"/>
+          </a:p>
+        </p:txBody>
+      </p:sp>
+      <p:cxnSp>
+        <p:nvCxnSpPr>
+          <p:cNvPr id="84" name="Connecteur droit 83"/>
+          <p:cNvCxnSpPr>
+            <a:stCxn id="27" idx="0"/>
+          </p:cNvCxnSpPr>
+          <p:nvPr/>
+        </p:nvCxnSpPr>
+        <p:spPr>
+          <a:xfrm flipH="1" flipV="1">
+            <a:off x="1215415" y="1957217"/>
+            <a:ext cx="0" cy="1326625"/>
+          </a:xfrm>
+          <a:prstGeom prst="line">
+            <a:avLst/>
+          </a:prstGeom>
+          <a:ln w="19050">
+            <a:solidFill>
+              <a:schemeClr val="tx1"/>
+            </a:solidFill>
+          </a:ln>
+        </p:spPr>
+        <p:style>
+          <a:lnRef idx="1">
+            <a:schemeClr val="accent1"/>
+          </a:lnRef>
+          <a:fillRef idx="0">
+            <a:schemeClr val="accent1"/>
+          </a:fillRef>
+          <a:effectRef idx="0">
+            <a:schemeClr val="accent1"/>
+          </a:effectRef>
+          <a:fontRef idx="minor">
+            <a:schemeClr val="tx1"/>
+          </a:fontRef>
+        </p:style>
+      </p:cxnSp>
+      <p:sp>
+        <p:nvSpPr>
+          <p:cNvPr id="15" name="Rectangle 14"/>
+          <p:cNvSpPr/>
+          <p:nvPr/>
+        </p:nvSpPr>
+        <p:spPr>
+          <a:xfrm>
+            <a:off x="0" y="3283843"/>
+            <a:ext cx="152400" cy="286396"/>
+          </a:xfrm>
+          <a:prstGeom prst="rect">
+            <a:avLst/>
+          </a:prstGeom>
+          <a:solidFill>
+            <a:schemeClr val="accent6">
+              <a:lumMod val="20000"/>
+              <a:lumOff val="80000"/>
+            </a:schemeClr>
+          </a:solidFill>
+          <a:ln w="19050">
+            <a:noFill/>
+          </a:ln>
+        </p:spPr>
+        <p:style>
+          <a:lnRef idx="2">
+            <a:schemeClr val="accent1">
+              <a:shade val="50000"/>
+            </a:schemeClr>
+          </a:lnRef>
+          <a:fillRef idx="1">
+            <a:schemeClr val="accent1"/>
+          </a:fillRef>
+          <a:effectRef idx="0">
+            <a:schemeClr val="accent1"/>
+          </a:effectRef>
+          <a:fontRef idx="minor">
+            <a:schemeClr val="lt1"/>
+          </a:fontRef>
+        </p:style>
+        <p:txBody>
+          <a:bodyPr rtlCol="0" anchor="ctr"/>
+          <a:lstStyle/>
+          <a:p>
+            <a:pPr algn="ctr"/>
+            <a:endParaRPr lang="fr-FR" sz="1400" b="1">
+              <a:solidFill>
+                <a:schemeClr val="accent6">
+                  <a:lumMod val="50000"/>
+                </a:schemeClr>
+              </a:solidFill>
+            </a:endParaRPr>
+          </a:p>
+        </p:txBody>
+      </p:sp>
+      <p:cxnSp>
+        <p:nvCxnSpPr>
+          <p:cNvPr id="10" name="Connecteur droit 9"/>
+          <p:cNvCxnSpPr/>
+          <p:nvPr/>
+        </p:nvCxnSpPr>
+        <p:spPr>
+          <a:xfrm flipV="1">
+            <a:off x="467544" y="1957216"/>
+            <a:ext cx="747871" cy="1470643"/>
+          </a:xfrm>
+          <a:prstGeom prst="line">
+            <a:avLst/>
+          </a:prstGeom>
+          <a:ln w="19050">
+            <a:solidFill>
+              <a:schemeClr val="tx1"/>
+            </a:solidFill>
+          </a:ln>
+        </p:spPr>
+        <p:style>
+          <a:lnRef idx="1">
+            <a:schemeClr val="accent1"/>
+          </a:lnRef>
+          <a:fillRef idx="0">
+            <a:schemeClr val="accent1"/>
+          </a:fillRef>
+          <a:effectRef idx="0">
+            <a:schemeClr val="accent1"/>
+          </a:effectRef>
+          <a:fontRef idx="minor">
+            <a:schemeClr val="tx1"/>
+          </a:fontRef>
+        </p:style>
+      </p:cxnSp>
+      <p:cxnSp>
+        <p:nvCxnSpPr>
+          <p:cNvPr id="11" name="Connecteur droit 10"/>
+          <p:cNvCxnSpPr/>
+          <p:nvPr/>
+        </p:nvCxnSpPr>
+        <p:spPr>
+          <a:xfrm flipH="1" flipV="1">
+            <a:off x="1215415" y="2442490"/>
+            <a:ext cx="957022" cy="985370"/>
+          </a:xfrm>
+          <a:prstGeom prst="line">
+            <a:avLst/>
+          </a:prstGeom>
+          <a:ln w="19050">
+            <a:solidFill>
+              <a:schemeClr val="bg1">
+                <a:lumMod val="50000"/>
+              </a:schemeClr>
+            </a:solidFill>
+          </a:ln>
+        </p:spPr>
+        <p:style>
+          <a:lnRef idx="1">
+            <a:schemeClr val="accent1"/>
+          </a:lnRef>
+          <a:fillRef idx="0">
+            <a:schemeClr val="accent1"/>
+          </a:fillRef>
+          <a:effectRef idx="0">
+            <a:schemeClr val="accent1"/>
+          </a:effectRef>
+          <a:fontRef idx="minor">
+            <a:schemeClr val="tx1"/>
+          </a:fontRef>
+        </p:style>
+      </p:cxnSp>
+      <p:cxnSp>
+        <p:nvCxnSpPr>
+          <p:cNvPr id="41" name="Connecteur droit 40"/>
+          <p:cNvCxnSpPr/>
+          <p:nvPr/>
+        </p:nvCxnSpPr>
+        <p:spPr>
+          <a:xfrm>
+            <a:off x="152400" y="3427858"/>
+            <a:ext cx="171128" cy="0"/>
+          </a:xfrm>
+          <a:prstGeom prst="line">
+            <a:avLst/>
+          </a:prstGeom>
+          <a:solidFill>
+            <a:schemeClr val="accent6">
+              <a:lumMod val="20000"/>
+              <a:lumOff val="80000"/>
+            </a:schemeClr>
+          </a:solidFill>
+          <a:ln w="19050">
+            <a:solidFill>
+              <a:schemeClr val="accent6">
+                <a:lumMod val="50000"/>
+              </a:schemeClr>
+            </a:solidFill>
+          </a:ln>
+        </p:spPr>
+        <p:style>
+          <a:lnRef idx="2">
+            <a:schemeClr val="accent1">
+              <a:shade val="50000"/>
+            </a:schemeClr>
+          </a:lnRef>
+          <a:fillRef idx="1">
+            <a:schemeClr val="accent1"/>
+          </a:fillRef>
+          <a:effectRef idx="0">
+            <a:schemeClr val="accent1"/>
+          </a:effectRef>
+          <a:fontRef idx="minor">
+            <a:schemeClr val="lt1"/>
+          </a:fontRef>
+        </p:style>
+      </p:cxnSp>
+      <p:cxnSp>
+        <p:nvCxnSpPr>
+          <p:cNvPr id="43" name="Connecteur droit 42"/>
+          <p:cNvCxnSpPr/>
+          <p:nvPr/>
+        </p:nvCxnSpPr>
+        <p:spPr>
+          <a:xfrm flipV="1">
+            <a:off x="152400" y="3283843"/>
+            <a:ext cx="0" cy="288031"/>
+          </a:xfrm>
+          <a:prstGeom prst="line">
+            <a:avLst/>
+          </a:prstGeom>
+          <a:solidFill>
+            <a:schemeClr val="accent6">
+              <a:lumMod val="20000"/>
+              <a:lumOff val="80000"/>
+            </a:schemeClr>
+          </a:solidFill>
+          <a:ln w="19050">
+            <a:solidFill>
+              <a:schemeClr val="accent6">
+                <a:lumMod val="50000"/>
+              </a:schemeClr>
+            </a:solidFill>
+          </a:ln>
+        </p:spPr>
+        <p:style>
+          <a:lnRef idx="2">
+            <a:schemeClr val="accent1">
+              <a:shade val="50000"/>
+            </a:schemeClr>
+          </a:lnRef>
+          <a:fillRef idx="1">
+            <a:schemeClr val="accent1"/>
+          </a:fillRef>
+          <a:effectRef idx="0">
+            <a:schemeClr val="accent1"/>
+          </a:effectRef>
+          <a:fontRef idx="minor">
+            <a:schemeClr val="lt1"/>
+          </a:fontRef>
+        </p:style>
+      </p:cxnSp>
+      <p:cxnSp>
+        <p:nvCxnSpPr>
+          <p:cNvPr id="44" name="Connecteur droit 43"/>
+          <p:cNvCxnSpPr>
+            <a:stCxn id="22" idx="6"/>
+            <a:endCxn id="28" idx="0"/>
+          </p:cNvCxnSpPr>
+          <p:nvPr/>
+        </p:nvCxnSpPr>
+        <p:spPr>
+          <a:xfrm flipH="1">
+            <a:off x="1215415" y="2442490"/>
+            <a:ext cx="144016" cy="1311809"/>
+          </a:xfrm>
+          <a:prstGeom prst="curvedConnector4">
+            <a:avLst>
+              <a:gd name="adj1" fmla="val -245082"/>
+              <a:gd name="adj2" fmla="val 92851"/>
+            </a:avLst>
+          </a:prstGeom>
+          <a:ln w="19050">
+            <a:solidFill>
+              <a:schemeClr val="tx1"/>
+            </a:solidFill>
+            <a:prstDash val="sysDash"/>
+          </a:ln>
+        </p:spPr>
+        <p:style>
+          <a:lnRef idx="1">
+            <a:schemeClr val="accent1"/>
+          </a:lnRef>
+          <a:fillRef idx="0">
+            <a:schemeClr val="accent1"/>
+          </a:fillRef>
+          <a:effectRef idx="0">
+            <a:schemeClr val="accent1"/>
+          </a:effectRef>
+          <a:fontRef idx="minor">
+            <a:schemeClr val="tx1"/>
+          </a:fontRef>
+        </p:style>
+      </p:cxnSp>
+      <p:sp>
+        <p:nvSpPr>
+          <p:cNvPr id="45" name="ZoneTexte 44"/>
+          <p:cNvSpPr txBox="1"/>
+          <p:nvPr/>
+        </p:nvSpPr>
+        <p:spPr>
+          <a:xfrm>
+            <a:off x="1401732" y="1340768"/>
+            <a:ext cx="1083951" cy="261610"/>
+          </a:xfrm>
+          <a:prstGeom prst="rect">
+            <a:avLst/>
+          </a:prstGeom>
+          <a:noFill/>
+        </p:spPr>
+        <p:txBody>
+          <a:bodyPr wrap="none" rtlCol="0">
+            <a:spAutoFit/>
+          </a:bodyPr>
+          <a:lstStyle/>
+          <a:p>
+            <a:r>
+              <a:rPr lang="fr-FR" sz="1100" b="0" dirty="0" smtClean="0"/>
+              <a:t>Liaison à définir</a:t>
+            </a:r>
+            <a:endParaRPr lang="fr-FR" sz="1100" dirty="0"/>
+          </a:p>
+        </p:txBody>
+      </p:sp>
+      <p:cxnSp>
+        <p:nvCxnSpPr>
+          <p:cNvPr id="46" name="Connecteur droit 45"/>
+          <p:cNvCxnSpPr/>
+          <p:nvPr/>
+        </p:nvCxnSpPr>
+        <p:spPr>
+          <a:xfrm flipH="1" flipV="1">
+            <a:off x="467545" y="3427860"/>
+            <a:ext cx="747870" cy="1441003"/>
+          </a:xfrm>
+          <a:prstGeom prst="line">
+            <a:avLst/>
+          </a:prstGeom>
+          <a:ln w="19050">
+            <a:solidFill>
+              <a:schemeClr val="tx1"/>
+            </a:solidFill>
+          </a:ln>
+        </p:spPr>
+        <p:style>
+          <a:lnRef idx="1">
+            <a:schemeClr val="accent1"/>
+          </a:lnRef>
+          <a:fillRef idx="0">
+            <a:schemeClr val="accent1"/>
+          </a:fillRef>
+          <a:effectRef idx="0">
+            <a:schemeClr val="accent1"/>
+          </a:effectRef>
+          <a:fontRef idx="minor">
+            <a:schemeClr val="tx1"/>
+          </a:fontRef>
+        </p:style>
+      </p:cxnSp>
+      <p:cxnSp>
+        <p:nvCxnSpPr>
+          <p:cNvPr id="48" name="Connecteur droit 47"/>
+          <p:cNvCxnSpPr/>
+          <p:nvPr/>
+        </p:nvCxnSpPr>
+        <p:spPr>
+          <a:xfrm flipV="1">
+            <a:off x="1215415" y="3427860"/>
+            <a:ext cx="978730" cy="1441003"/>
+          </a:xfrm>
+          <a:prstGeom prst="line">
+            <a:avLst/>
+          </a:prstGeom>
+          <a:ln w="19050">
+            <a:solidFill>
+              <a:schemeClr val="bg1">
+                <a:lumMod val="50000"/>
+              </a:schemeClr>
+            </a:solidFill>
+          </a:ln>
+        </p:spPr>
+        <p:style>
+          <a:lnRef idx="1">
+            <a:schemeClr val="accent1"/>
+          </a:lnRef>
+          <a:fillRef idx="0">
+            <a:schemeClr val="accent1"/>
+          </a:fillRef>
+          <a:effectRef idx="0">
+            <a:schemeClr val="accent1"/>
+          </a:effectRef>
+          <a:fontRef idx="minor">
+            <a:schemeClr val="tx1"/>
+          </a:fontRef>
+        </p:style>
+      </p:cxnSp>
+      <p:cxnSp>
+        <p:nvCxnSpPr>
+          <p:cNvPr id="52" name="Connecteur droit 51"/>
+          <p:cNvCxnSpPr/>
+          <p:nvPr/>
+        </p:nvCxnSpPr>
+        <p:spPr>
+          <a:xfrm flipH="1" flipV="1">
+            <a:off x="1215415" y="2927766"/>
+            <a:ext cx="971830" cy="517693"/>
+          </a:xfrm>
+          <a:prstGeom prst="line">
+            <a:avLst/>
+          </a:prstGeom>
+          <a:ln w="19050">
+            <a:solidFill>
+              <a:schemeClr val="bg1">
+                <a:lumMod val="50000"/>
+              </a:schemeClr>
+            </a:solidFill>
+          </a:ln>
+        </p:spPr>
+        <p:style>
+          <a:lnRef idx="1">
+            <a:schemeClr val="accent1"/>
+          </a:lnRef>
+          <a:fillRef idx="0">
+            <a:schemeClr val="accent1"/>
+          </a:fillRef>
+          <a:effectRef idx="0">
+            <a:schemeClr val="accent1"/>
+          </a:effectRef>
+          <a:fontRef idx="minor">
+            <a:schemeClr val="tx1"/>
+          </a:fontRef>
+        </p:style>
+      </p:cxnSp>
+      <p:cxnSp>
+        <p:nvCxnSpPr>
+          <p:cNvPr id="54" name="Connecteur droit 53"/>
+          <p:cNvCxnSpPr/>
+          <p:nvPr/>
+        </p:nvCxnSpPr>
+        <p:spPr>
+          <a:xfrm flipH="1">
+            <a:off x="1225216" y="3427042"/>
+            <a:ext cx="962029" cy="818"/>
+          </a:xfrm>
+          <a:prstGeom prst="line">
+            <a:avLst/>
+          </a:prstGeom>
+          <a:ln w="19050">
+            <a:solidFill>
+              <a:schemeClr val="tx1"/>
+            </a:solidFill>
+          </a:ln>
+        </p:spPr>
+        <p:style>
+          <a:lnRef idx="1">
+            <a:schemeClr val="accent1"/>
+          </a:lnRef>
+          <a:fillRef idx="0">
+            <a:schemeClr val="accent1"/>
+          </a:fillRef>
+          <a:effectRef idx="0">
+            <a:schemeClr val="accent1"/>
+          </a:effectRef>
+          <a:fontRef idx="minor">
+            <a:schemeClr val="tx1"/>
+          </a:fontRef>
+        </p:style>
+      </p:cxnSp>
+      <p:cxnSp>
+        <p:nvCxnSpPr>
+          <p:cNvPr id="56" name="Connecteur droit 55"/>
+          <p:cNvCxnSpPr/>
+          <p:nvPr/>
+        </p:nvCxnSpPr>
+        <p:spPr>
+          <a:xfrm flipH="1">
+            <a:off x="1215415" y="3445459"/>
+            <a:ext cx="971830" cy="452856"/>
+          </a:xfrm>
+          <a:prstGeom prst="line">
+            <a:avLst/>
+          </a:prstGeom>
+          <a:ln w="19050">
+            <a:solidFill>
+              <a:schemeClr val="bg1">
+                <a:lumMod val="50000"/>
+              </a:schemeClr>
+            </a:solidFill>
+          </a:ln>
+        </p:spPr>
+        <p:style>
+          <a:lnRef idx="1">
+            <a:schemeClr val="accent1"/>
+          </a:lnRef>
+          <a:fillRef idx="0">
+            <a:schemeClr val="accent1"/>
+          </a:fillRef>
+          <a:effectRef idx="0">
+            <a:schemeClr val="accent1"/>
+          </a:effectRef>
+          <a:fontRef idx="minor">
+            <a:schemeClr val="tx1"/>
+          </a:fontRef>
+        </p:style>
+      </p:cxnSp>
+      <p:cxnSp>
+        <p:nvCxnSpPr>
+          <p:cNvPr id="58" name="Connecteur droit 57"/>
+          <p:cNvCxnSpPr/>
+          <p:nvPr/>
+        </p:nvCxnSpPr>
+        <p:spPr>
+          <a:xfrm flipH="1">
+            <a:off x="1215415" y="3427860"/>
+            <a:ext cx="978730" cy="955730"/>
+          </a:xfrm>
+          <a:prstGeom prst="line">
+            <a:avLst/>
+          </a:prstGeom>
+          <a:ln w="19050">
+            <a:solidFill>
+              <a:schemeClr val="bg1">
+                <a:lumMod val="50000"/>
+              </a:schemeClr>
+            </a:solidFill>
+          </a:ln>
+        </p:spPr>
+        <p:style>
+          <a:lnRef idx="1">
+            <a:schemeClr val="accent1"/>
+          </a:lnRef>
+          <a:fillRef idx="0">
+            <a:schemeClr val="accent1"/>
+          </a:fillRef>
+          <a:effectRef idx="0">
+            <a:schemeClr val="accent1"/>
+          </a:effectRef>
+          <a:fontRef idx="minor">
+            <a:schemeClr val="tx1"/>
+          </a:fontRef>
+        </p:style>
+      </p:cxnSp>
+      <p:cxnSp>
+        <p:nvCxnSpPr>
+          <p:cNvPr id="64" name="Connecteur droit 63"/>
+          <p:cNvCxnSpPr/>
+          <p:nvPr/>
+        </p:nvCxnSpPr>
+        <p:spPr>
+          <a:xfrm flipH="1" flipV="1">
+            <a:off x="467545" y="3420040"/>
+            <a:ext cx="747870" cy="963550"/>
+          </a:xfrm>
+          <a:prstGeom prst="line">
+            <a:avLst/>
+          </a:prstGeom>
+          <a:ln w="19050">
+            <a:solidFill>
+              <a:schemeClr val="tx1"/>
+            </a:solidFill>
+          </a:ln>
+        </p:spPr>
+        <p:style>
+          <a:lnRef idx="1">
+            <a:schemeClr val="accent1"/>
+          </a:lnRef>
+          <a:fillRef idx="0">
+            <a:schemeClr val="accent1"/>
+          </a:fillRef>
+          <a:effectRef idx="0">
+            <a:schemeClr val="accent1"/>
+          </a:effectRef>
+          <a:fontRef idx="minor">
+            <a:schemeClr val="tx1"/>
+          </a:fontRef>
+        </p:style>
+      </p:cxnSp>
+      <p:cxnSp>
+        <p:nvCxnSpPr>
+          <p:cNvPr id="67" name="Connecteur droit 66"/>
+          <p:cNvCxnSpPr/>
+          <p:nvPr/>
+        </p:nvCxnSpPr>
+        <p:spPr>
+          <a:xfrm flipH="1" flipV="1">
+            <a:off x="467545" y="3427860"/>
+            <a:ext cx="747870" cy="477866"/>
+          </a:xfrm>
+          <a:prstGeom prst="line">
+            <a:avLst/>
+          </a:prstGeom>
+          <a:ln w="19050">
+            <a:solidFill>
+              <a:schemeClr val="tx1"/>
+            </a:solidFill>
+          </a:ln>
+        </p:spPr>
+        <p:style>
+          <a:lnRef idx="1">
+            <a:schemeClr val="accent1"/>
+          </a:lnRef>
+          <a:fillRef idx="0">
+            <a:schemeClr val="accent1"/>
+          </a:fillRef>
+          <a:effectRef idx="0">
+            <a:schemeClr val="accent1"/>
+          </a:effectRef>
+          <a:fontRef idx="minor">
+            <a:schemeClr val="tx1"/>
+          </a:fontRef>
+        </p:style>
+      </p:cxnSp>
+      <p:cxnSp>
+        <p:nvCxnSpPr>
+          <p:cNvPr id="71" name="Connecteur droit 70"/>
+          <p:cNvCxnSpPr>
+            <a:endCxn id="8" idx="6"/>
+          </p:cNvCxnSpPr>
+          <p:nvPr/>
+        </p:nvCxnSpPr>
+        <p:spPr>
+          <a:xfrm flipH="1">
+            <a:off x="611560" y="3423949"/>
+            <a:ext cx="613656" cy="0"/>
+          </a:xfrm>
+          <a:prstGeom prst="line">
+            <a:avLst/>
+          </a:prstGeom>
+          <a:ln w="19050">
+            <a:solidFill>
+              <a:schemeClr val="tx1"/>
+            </a:solidFill>
+          </a:ln>
+        </p:spPr>
+        <p:style>
+          <a:lnRef idx="1">
+            <a:schemeClr val="accent1"/>
+          </a:lnRef>
+          <a:fillRef idx="0">
+            <a:schemeClr val="accent1"/>
+          </a:fillRef>
+          <a:effectRef idx="0">
+            <a:schemeClr val="accent1"/>
+          </a:effectRef>
+          <a:fontRef idx="minor">
+            <a:schemeClr val="tx1"/>
+          </a:fontRef>
+        </p:style>
+      </p:cxnSp>
+      <p:cxnSp>
+        <p:nvCxnSpPr>
+          <p:cNvPr id="78" name="Connecteur droit 77"/>
+          <p:cNvCxnSpPr/>
+          <p:nvPr/>
+        </p:nvCxnSpPr>
+        <p:spPr>
+          <a:xfrm flipH="1">
+            <a:off x="467545" y="2917680"/>
+            <a:ext cx="757671" cy="527779"/>
+          </a:xfrm>
+          <a:prstGeom prst="line">
+            <a:avLst/>
+          </a:prstGeom>
+          <a:ln w="19050">
+            <a:solidFill>
+              <a:schemeClr val="tx1"/>
+            </a:solidFill>
+          </a:ln>
+        </p:spPr>
+        <p:style>
+          <a:lnRef idx="1">
+            <a:schemeClr val="accent1"/>
+          </a:lnRef>
+          <a:fillRef idx="0">
+            <a:schemeClr val="accent1"/>
+          </a:fillRef>
+          <a:effectRef idx="0">
+            <a:schemeClr val="accent1"/>
+          </a:effectRef>
+          <a:fontRef idx="minor">
+            <a:schemeClr val="tx1"/>
+          </a:fontRef>
+        </p:style>
+      </p:cxnSp>
+      <p:cxnSp>
+        <p:nvCxnSpPr>
+          <p:cNvPr id="81" name="Connecteur droit 80"/>
+          <p:cNvCxnSpPr/>
+          <p:nvPr/>
+        </p:nvCxnSpPr>
+        <p:spPr>
+          <a:xfrm flipH="1">
+            <a:off x="467545" y="2442490"/>
+            <a:ext cx="747871" cy="1002969"/>
+          </a:xfrm>
+          <a:prstGeom prst="line">
+            <a:avLst/>
+          </a:prstGeom>
+          <a:ln w="19050">
+            <a:solidFill>
+              <a:schemeClr val="tx1"/>
+            </a:solidFill>
+          </a:ln>
+        </p:spPr>
+        <p:style>
+          <a:lnRef idx="1">
+            <a:schemeClr val="accent1"/>
+          </a:lnRef>
+          <a:fillRef idx="0">
+            <a:schemeClr val="accent1"/>
+          </a:fillRef>
+          <a:effectRef idx="0">
+            <a:schemeClr val="accent1"/>
+          </a:effectRef>
+          <a:fontRef idx="minor">
+            <a:schemeClr val="tx1"/>
+          </a:fontRef>
+        </p:style>
+      </p:cxnSp>
+      <p:sp>
+        <p:nvSpPr>
+          <p:cNvPr id="4" name="Ellipse 3"/>
+          <p:cNvSpPr/>
+          <p:nvPr/>
+        </p:nvSpPr>
+        <p:spPr>
+          <a:xfrm>
+            <a:off x="1071399" y="1813199"/>
+            <a:ext cx="288032" cy="288032"/>
+          </a:xfrm>
+          <a:prstGeom prst="ellipse">
+            <a:avLst/>
+          </a:prstGeom>
+          <a:solidFill>
+            <a:schemeClr val="accent4">
+              <a:lumMod val="20000"/>
+              <a:lumOff val="80000"/>
+            </a:schemeClr>
+          </a:solidFill>
+          <a:ln w="19050">
+            <a:solidFill>
+              <a:schemeClr val="accent4"/>
+            </a:solidFill>
+          </a:ln>
+        </p:spPr>
+        <p:style>
+          <a:lnRef idx="2">
+            <a:schemeClr val="accent1">
+              <a:shade val="50000"/>
+            </a:schemeClr>
+          </a:lnRef>
+          <a:fillRef idx="1">
+            <a:schemeClr val="accent1"/>
+          </a:fillRef>
+          <a:effectRef idx="0">
+            <a:schemeClr val="accent1"/>
+          </a:effectRef>
+          <a:fontRef idx="minor">
+            <a:schemeClr val="lt1"/>
+          </a:fontRef>
+        </p:style>
+        <p:txBody>
+          <a:bodyPr lIns="0" tIns="0" rIns="0" bIns="0" rtlCol="0" anchor="ctr"/>
+          <a:lstStyle/>
+          <a:p>
+            <a:pPr algn="ctr"/>
+            <a:r>
+              <a:rPr lang="fr-FR" sz="1100" b="1" dirty="0" smtClean="0">
+                <a:solidFill>
+                  <a:schemeClr val="accent4"/>
+                </a:solidFill>
+              </a:rPr>
+              <a:t>P</a:t>
+            </a:r>
+            <a:r>
+              <a:rPr lang="fr-FR" sz="1100" b="1" baseline="-25000" dirty="0" smtClean="0">
+                <a:solidFill>
+                  <a:schemeClr val="accent4"/>
+                </a:solidFill>
+              </a:rPr>
+              <a:t>m</a:t>
+            </a:r>
+            <a:endParaRPr lang="fr-FR" sz="1100" b="1" baseline="-25000" dirty="0">
+              <a:solidFill>
+                <a:schemeClr val="accent4"/>
+              </a:solidFill>
+            </a:endParaRPr>
+          </a:p>
+        </p:txBody>
+      </p:sp>
+      <p:sp>
+        <p:nvSpPr>
+          <p:cNvPr id="5" name="Ellipse 4"/>
+          <p:cNvSpPr/>
+          <p:nvPr/>
+        </p:nvSpPr>
+        <p:spPr>
+          <a:xfrm>
+            <a:off x="1906111" y="3283843"/>
+            <a:ext cx="532651" cy="288032"/>
+          </a:xfrm>
+          <a:prstGeom prst="ellipse">
+            <a:avLst/>
+          </a:prstGeom>
+          <a:solidFill>
+            <a:schemeClr val="accent2">
+              <a:lumMod val="20000"/>
+              <a:lumOff val="80000"/>
+            </a:schemeClr>
+          </a:solidFill>
+          <a:ln w="19050">
+            <a:solidFill>
+              <a:schemeClr val="accent2"/>
+            </a:solidFill>
+          </a:ln>
+        </p:spPr>
+        <p:style>
+          <a:lnRef idx="2">
+            <a:schemeClr val="accent1">
+              <a:shade val="50000"/>
+            </a:schemeClr>
+          </a:lnRef>
+          <a:fillRef idx="1">
+            <a:schemeClr val="accent1"/>
+          </a:fillRef>
+          <a:effectRef idx="0">
+            <a:schemeClr val="accent1"/>
+          </a:effectRef>
+          <a:fontRef idx="minor">
+            <a:schemeClr val="lt1"/>
+          </a:fontRef>
+        </p:style>
+        <p:txBody>
+          <a:bodyPr lIns="0" tIns="0" rIns="0" bIns="0" rtlCol="0" anchor="ctr"/>
+          <a:lstStyle/>
+          <a:p>
+            <a:pPr algn="ctr"/>
+            <a:r>
+              <a:rPr lang="fr-FR" sz="1100" b="1" dirty="0" smtClean="0">
+                <a:solidFill>
+                  <a:schemeClr val="accent2"/>
+                </a:solidFill>
+              </a:rPr>
+              <a:t>Pince</a:t>
+            </a:r>
+            <a:endParaRPr lang="fr-FR" sz="1100" b="1" dirty="0">
+              <a:solidFill>
+                <a:schemeClr val="accent2"/>
+              </a:solidFill>
+            </a:endParaRPr>
+          </a:p>
+        </p:txBody>
+      </p:sp>
+      <p:sp>
+        <p:nvSpPr>
+          <p:cNvPr id="8" name="Ellipse 7"/>
+          <p:cNvSpPr/>
+          <p:nvPr/>
+        </p:nvSpPr>
+        <p:spPr>
+          <a:xfrm>
+            <a:off x="323528" y="3283842"/>
+            <a:ext cx="288032" cy="288032"/>
+          </a:xfrm>
+          <a:prstGeom prst="ellipse">
+            <a:avLst/>
+          </a:prstGeom>
+          <a:solidFill>
+            <a:schemeClr val="accent6">
+              <a:lumMod val="20000"/>
+              <a:lumOff val="80000"/>
+            </a:schemeClr>
+          </a:solidFill>
+          <a:ln w="19050">
+            <a:solidFill>
+              <a:schemeClr val="accent6">
+                <a:lumMod val="50000"/>
+              </a:schemeClr>
+            </a:solidFill>
+          </a:ln>
+        </p:spPr>
+        <p:style>
+          <a:lnRef idx="2">
+            <a:schemeClr val="accent1">
+              <a:shade val="50000"/>
+            </a:schemeClr>
+          </a:lnRef>
+          <a:fillRef idx="1">
+            <a:schemeClr val="accent1"/>
+          </a:fillRef>
+          <a:effectRef idx="0">
+            <a:schemeClr val="accent1"/>
+          </a:effectRef>
+          <a:fontRef idx="minor">
+            <a:schemeClr val="lt1"/>
+          </a:fontRef>
+        </p:style>
+        <p:txBody>
+          <a:bodyPr rtlCol="0" anchor="ctr"/>
+          <a:lstStyle/>
+          <a:p>
+            <a:pPr algn="ctr"/>
+            <a:r>
+              <a:rPr lang="fr-FR" sz="1400" b="1" dirty="0" smtClean="0">
+                <a:solidFill>
+                  <a:schemeClr val="accent6">
+                    <a:lumMod val="50000"/>
+                  </a:schemeClr>
+                </a:solidFill>
+              </a:rPr>
+              <a:t>0</a:t>
+            </a:r>
+            <a:endParaRPr lang="fr-FR" sz="1400" b="1" dirty="0">
+              <a:solidFill>
+                <a:schemeClr val="accent6">
+                  <a:lumMod val="50000"/>
+                </a:schemeClr>
+              </a:solidFill>
+            </a:endParaRPr>
+          </a:p>
+        </p:txBody>
+      </p:sp>
+      <p:sp>
+        <p:nvSpPr>
+          <p:cNvPr id="22" name="Ellipse 21"/>
+          <p:cNvSpPr/>
+          <p:nvPr/>
+        </p:nvSpPr>
+        <p:spPr>
+          <a:xfrm>
+            <a:off x="1071399" y="2298474"/>
+            <a:ext cx="288032" cy="288032"/>
+          </a:xfrm>
+          <a:prstGeom prst="ellipse">
+            <a:avLst/>
+          </a:prstGeom>
+          <a:solidFill>
+            <a:schemeClr val="accent4">
+              <a:lumMod val="20000"/>
+              <a:lumOff val="80000"/>
+            </a:schemeClr>
+          </a:solidFill>
+          <a:ln w="19050">
+            <a:solidFill>
+              <a:schemeClr val="accent4"/>
+            </a:solidFill>
+          </a:ln>
+        </p:spPr>
+        <p:style>
+          <a:lnRef idx="2">
+            <a:schemeClr val="accent1">
+              <a:shade val="50000"/>
+            </a:schemeClr>
+          </a:lnRef>
+          <a:fillRef idx="1">
+            <a:schemeClr val="accent1"/>
+          </a:fillRef>
+          <a:effectRef idx="0">
+            <a:schemeClr val="accent1"/>
+          </a:effectRef>
+          <a:fontRef idx="minor">
+            <a:schemeClr val="lt1"/>
+          </a:fontRef>
+        </p:style>
+        <p:txBody>
+          <a:bodyPr lIns="0" tIns="0" rIns="0" bIns="0" rtlCol="0" anchor="ctr"/>
+          <a:lstStyle/>
+          <a:p>
+            <a:pPr algn="ctr"/>
+            <a:r>
+              <a:rPr lang="fr-FR" sz="1100" b="1" dirty="0" smtClean="0">
+                <a:solidFill>
+                  <a:schemeClr val="accent4"/>
+                </a:solidFill>
+              </a:rPr>
+              <a:t>P</a:t>
+            </a:r>
+            <a:r>
+              <a:rPr lang="fr-FR" sz="1100" b="1" baseline="-25000" dirty="0" smtClean="0">
+                <a:solidFill>
+                  <a:schemeClr val="accent4"/>
+                </a:solidFill>
+              </a:rPr>
+              <a:t>r</a:t>
+            </a:r>
+            <a:endParaRPr lang="fr-FR" sz="1100" b="1" baseline="-25000" dirty="0">
+              <a:solidFill>
+                <a:schemeClr val="accent4"/>
+              </a:solidFill>
+            </a:endParaRPr>
+          </a:p>
+        </p:txBody>
+      </p:sp>
+      <p:sp>
+        <p:nvSpPr>
+          <p:cNvPr id="23" name="Ellipse 22"/>
+          <p:cNvSpPr/>
+          <p:nvPr/>
+        </p:nvSpPr>
+        <p:spPr>
+          <a:xfrm>
+            <a:off x="1071399" y="2783749"/>
+            <a:ext cx="288032" cy="288032"/>
+          </a:xfrm>
+          <a:prstGeom prst="ellipse">
+            <a:avLst/>
+          </a:prstGeom>
+          <a:solidFill>
+            <a:schemeClr val="accent4">
+              <a:lumMod val="20000"/>
+              <a:lumOff val="80000"/>
+            </a:schemeClr>
+          </a:solidFill>
+          <a:ln w="19050">
+            <a:solidFill>
+              <a:schemeClr val="accent4"/>
+            </a:solidFill>
+          </a:ln>
+        </p:spPr>
+        <p:style>
+          <a:lnRef idx="2">
+            <a:schemeClr val="accent1">
+              <a:shade val="50000"/>
+            </a:schemeClr>
+          </a:lnRef>
+          <a:fillRef idx="1">
+            <a:schemeClr val="accent1"/>
+          </a:fillRef>
+          <a:effectRef idx="0">
+            <a:schemeClr val="accent1"/>
+          </a:effectRef>
+          <a:fontRef idx="minor">
+            <a:schemeClr val="lt1"/>
+          </a:fontRef>
+        </p:style>
+        <p:txBody>
+          <a:bodyPr lIns="0" tIns="0" rIns="0" bIns="0" rtlCol="0" anchor="ctr"/>
+          <a:lstStyle/>
+          <a:p>
+            <a:pPr algn="ctr"/>
+            <a:r>
+              <a:rPr lang="fr-FR" sz="1100" b="1" dirty="0" smtClean="0">
+                <a:solidFill>
+                  <a:schemeClr val="accent4"/>
+                </a:solidFill>
+              </a:rPr>
+              <a:t>G</a:t>
+            </a:r>
+            <a:r>
+              <a:rPr lang="fr-FR" sz="1100" b="1" baseline="-25000" dirty="0" smtClean="0">
+                <a:solidFill>
+                  <a:schemeClr val="accent4"/>
+                </a:solidFill>
+              </a:rPr>
+              <a:t>2</a:t>
+            </a:r>
+            <a:endParaRPr lang="fr-FR" sz="1100" b="1" baseline="-25000" dirty="0">
+              <a:solidFill>
+                <a:schemeClr val="accent4"/>
+              </a:solidFill>
+            </a:endParaRPr>
+          </a:p>
+        </p:txBody>
+      </p:sp>
+      <p:sp>
+        <p:nvSpPr>
+          <p:cNvPr id="27" name="Ellipse 26"/>
+          <p:cNvSpPr/>
+          <p:nvPr/>
+        </p:nvSpPr>
+        <p:spPr>
+          <a:xfrm>
+            <a:off x="1081200" y="3283842"/>
+            <a:ext cx="288032" cy="288032"/>
+          </a:xfrm>
+          <a:prstGeom prst="ellipse">
+            <a:avLst/>
+          </a:prstGeom>
+          <a:solidFill>
+            <a:schemeClr val="accent4">
+              <a:lumMod val="20000"/>
+              <a:lumOff val="80000"/>
+            </a:schemeClr>
+          </a:solidFill>
+          <a:ln w="19050">
+            <a:solidFill>
+              <a:schemeClr val="accent4"/>
+            </a:solidFill>
+          </a:ln>
+        </p:spPr>
+        <p:style>
+          <a:lnRef idx="2">
+            <a:schemeClr val="accent1">
+              <a:shade val="50000"/>
+            </a:schemeClr>
+          </a:lnRef>
+          <a:fillRef idx="1">
+            <a:schemeClr val="accent1"/>
+          </a:fillRef>
+          <a:effectRef idx="0">
+            <a:schemeClr val="accent1"/>
+          </a:effectRef>
+          <a:fontRef idx="minor">
+            <a:schemeClr val="lt1"/>
+          </a:fontRef>
+        </p:style>
+        <p:txBody>
+          <a:bodyPr lIns="0" tIns="0" rIns="0" bIns="0" rtlCol="0" anchor="ctr"/>
+          <a:lstStyle/>
+          <a:p>
+            <a:pPr algn="ctr"/>
+            <a:r>
+              <a:rPr lang="fr-FR" sz="1100" b="1" dirty="0" smtClean="0">
+                <a:solidFill>
+                  <a:schemeClr val="accent4"/>
+                </a:solidFill>
+              </a:rPr>
+              <a:t>G</a:t>
+            </a:r>
+            <a:r>
+              <a:rPr lang="fr-FR" sz="1100" b="1" baseline="-25000" dirty="0" smtClean="0">
+                <a:solidFill>
+                  <a:schemeClr val="accent4"/>
+                </a:solidFill>
+              </a:rPr>
+              <a:t>3</a:t>
+            </a:r>
+            <a:endParaRPr lang="fr-FR" sz="1100" b="1" baseline="-25000" dirty="0">
+              <a:solidFill>
+                <a:schemeClr val="accent4"/>
+              </a:solidFill>
+            </a:endParaRPr>
+          </a:p>
+        </p:txBody>
+      </p:sp>
+      <p:sp>
+        <p:nvSpPr>
+          <p:cNvPr id="28" name="Ellipse 27"/>
+          <p:cNvSpPr/>
+          <p:nvPr/>
+        </p:nvSpPr>
+        <p:spPr>
+          <a:xfrm>
+            <a:off x="1071399" y="3754299"/>
+            <a:ext cx="288032" cy="288032"/>
+          </a:xfrm>
+          <a:prstGeom prst="ellipse">
+            <a:avLst/>
+          </a:prstGeom>
+          <a:solidFill>
+            <a:schemeClr val="accent4">
+              <a:lumMod val="20000"/>
+              <a:lumOff val="80000"/>
+            </a:schemeClr>
+          </a:solidFill>
+          <a:ln w="19050">
+            <a:solidFill>
+              <a:schemeClr val="accent4"/>
+            </a:solidFill>
+          </a:ln>
+        </p:spPr>
+        <p:style>
+          <a:lnRef idx="2">
+            <a:schemeClr val="accent1">
+              <a:shade val="50000"/>
+            </a:schemeClr>
+          </a:lnRef>
+          <a:fillRef idx="1">
+            <a:schemeClr val="accent1"/>
+          </a:fillRef>
+          <a:effectRef idx="0">
+            <a:schemeClr val="accent1"/>
+          </a:effectRef>
+          <a:fontRef idx="minor">
+            <a:schemeClr val="lt1"/>
+          </a:fontRef>
+        </p:style>
+        <p:txBody>
+          <a:bodyPr lIns="0" tIns="0" rIns="0" bIns="0" rtlCol="0" anchor="ctr"/>
+          <a:lstStyle/>
+          <a:p>
+            <a:pPr algn="ctr"/>
+            <a:r>
+              <a:rPr lang="fr-FR" sz="1100" b="1" dirty="0" smtClean="0">
+                <a:solidFill>
+                  <a:schemeClr val="accent4"/>
+                </a:solidFill>
+              </a:rPr>
+              <a:t>G</a:t>
+            </a:r>
+            <a:r>
+              <a:rPr lang="fr-FR" sz="1100" b="1" baseline="-25000" dirty="0" smtClean="0">
+                <a:solidFill>
+                  <a:schemeClr val="accent4"/>
+                </a:solidFill>
+              </a:rPr>
+              <a:t>4</a:t>
+            </a:r>
+            <a:endParaRPr lang="fr-FR" sz="1100" b="1" baseline="-25000" dirty="0">
+              <a:solidFill>
+                <a:schemeClr val="accent4"/>
+              </a:solidFill>
+            </a:endParaRPr>
+          </a:p>
+        </p:txBody>
+      </p:sp>
+      <p:sp>
+        <p:nvSpPr>
+          <p:cNvPr id="29" name="Ellipse 28"/>
+          <p:cNvSpPr/>
+          <p:nvPr/>
+        </p:nvSpPr>
+        <p:spPr>
+          <a:xfrm>
+            <a:off x="1071399" y="4239574"/>
+            <a:ext cx="288032" cy="288032"/>
+          </a:xfrm>
+          <a:prstGeom prst="ellipse">
+            <a:avLst/>
+          </a:prstGeom>
+          <a:solidFill>
+            <a:schemeClr val="accent4">
+              <a:lumMod val="20000"/>
+              <a:lumOff val="80000"/>
+            </a:schemeClr>
+          </a:solidFill>
+          <a:ln w="19050">
+            <a:solidFill>
+              <a:schemeClr val="accent4"/>
+            </a:solidFill>
+          </a:ln>
+        </p:spPr>
+        <p:style>
+          <a:lnRef idx="2">
+            <a:schemeClr val="accent1">
+              <a:shade val="50000"/>
+            </a:schemeClr>
+          </a:lnRef>
+          <a:fillRef idx="1">
+            <a:schemeClr val="accent1"/>
+          </a:fillRef>
+          <a:effectRef idx="0">
+            <a:schemeClr val="accent1"/>
+          </a:effectRef>
+          <a:fontRef idx="minor">
+            <a:schemeClr val="lt1"/>
+          </a:fontRef>
+        </p:style>
+        <p:txBody>
+          <a:bodyPr lIns="0" tIns="0" rIns="0" bIns="0" rtlCol="0" anchor="ctr"/>
+          <a:lstStyle/>
+          <a:p>
+            <a:pPr algn="ctr"/>
+            <a:r>
+              <a:rPr lang="fr-FR" sz="1100" b="1" dirty="0" smtClean="0">
+                <a:solidFill>
+                  <a:schemeClr val="accent4"/>
+                </a:solidFill>
+              </a:rPr>
+              <a:t>G</a:t>
+            </a:r>
+            <a:r>
+              <a:rPr lang="fr-FR" sz="1100" b="1" baseline="-25000" dirty="0" smtClean="0">
+                <a:solidFill>
+                  <a:schemeClr val="accent4"/>
+                </a:solidFill>
+              </a:rPr>
+              <a:t>5</a:t>
+            </a:r>
+            <a:endParaRPr lang="fr-FR" sz="1100" b="1" baseline="-25000" dirty="0">
+              <a:solidFill>
+                <a:schemeClr val="accent4"/>
+              </a:solidFill>
+            </a:endParaRPr>
+          </a:p>
+        </p:txBody>
+      </p:sp>
+      <p:sp>
+        <p:nvSpPr>
+          <p:cNvPr id="30" name="Ellipse 29"/>
+          <p:cNvSpPr/>
+          <p:nvPr/>
+        </p:nvSpPr>
+        <p:spPr>
+          <a:xfrm>
+            <a:off x="1071399" y="4724847"/>
+            <a:ext cx="288032" cy="288032"/>
+          </a:xfrm>
+          <a:prstGeom prst="ellipse">
+            <a:avLst/>
+          </a:prstGeom>
+          <a:solidFill>
+            <a:schemeClr val="accent4">
+              <a:lumMod val="20000"/>
+              <a:lumOff val="80000"/>
+            </a:schemeClr>
+          </a:solidFill>
+          <a:ln w="19050">
+            <a:solidFill>
+              <a:schemeClr val="accent4"/>
+            </a:solidFill>
+          </a:ln>
+        </p:spPr>
+        <p:style>
+          <a:lnRef idx="2">
+            <a:schemeClr val="accent1">
+              <a:shade val="50000"/>
+            </a:schemeClr>
+          </a:lnRef>
+          <a:fillRef idx="1">
+            <a:schemeClr val="accent1"/>
+          </a:fillRef>
+          <a:effectRef idx="0">
+            <a:schemeClr val="accent1"/>
+          </a:effectRef>
+          <a:fontRef idx="minor">
+            <a:schemeClr val="lt1"/>
+          </a:fontRef>
+        </p:style>
+        <p:txBody>
+          <a:bodyPr lIns="0" tIns="0" rIns="0" bIns="0" rtlCol="0" anchor="ctr"/>
+          <a:lstStyle/>
+          <a:p>
+            <a:pPr algn="ctr"/>
+            <a:r>
+              <a:rPr lang="fr-FR" sz="1100" b="1" dirty="0" smtClean="0">
+                <a:solidFill>
+                  <a:schemeClr val="accent4"/>
+                </a:solidFill>
+              </a:rPr>
+              <a:t>G</a:t>
+            </a:r>
+            <a:r>
+              <a:rPr lang="fr-FR" sz="1100" b="1" baseline="-25000" dirty="0" smtClean="0">
+                <a:solidFill>
+                  <a:schemeClr val="accent4"/>
+                </a:solidFill>
+              </a:rPr>
+              <a:t>6</a:t>
+            </a:r>
+            <a:endParaRPr lang="fr-FR" sz="1100" b="1" baseline="-25000" dirty="0">
+              <a:solidFill>
+                <a:schemeClr val="accent4"/>
+              </a:solidFill>
+            </a:endParaRPr>
+          </a:p>
+        </p:txBody>
+      </p:sp>
+      <p:sp>
+        <p:nvSpPr>
+          <p:cNvPr id="87" name="ZoneTexte 86"/>
+          <p:cNvSpPr txBox="1"/>
+          <p:nvPr/>
+        </p:nvSpPr>
+        <p:spPr>
+          <a:xfrm rot="17841194">
+            <a:off x="224738" y="2512221"/>
+            <a:ext cx="795411" cy="261610"/>
+          </a:xfrm>
+          <a:prstGeom prst="rect">
+            <a:avLst/>
+          </a:prstGeom>
+          <a:noFill/>
+        </p:spPr>
+        <p:txBody>
+          <a:bodyPr wrap="none" rtlCol="0">
+            <a:spAutoFit/>
+          </a:bodyPr>
+          <a:lstStyle/>
+          <a:p>
+            <a:r>
+              <a:rPr lang="fr-FR" sz="1100" b="0" dirty="0" smtClean="0"/>
+              <a:t>Pivot + Cm</a:t>
+            </a:r>
+            <a:endParaRPr lang="fr-FR" sz="1100" dirty="0"/>
+          </a:p>
+        </p:txBody>
+      </p:sp>
+      <p:sp>
+        <p:nvSpPr>
+          <p:cNvPr id="88" name="ZoneTexte 87"/>
+          <p:cNvSpPr txBox="1"/>
+          <p:nvPr/>
+        </p:nvSpPr>
+        <p:spPr>
+          <a:xfrm>
+            <a:off x="1143357" y="3050764"/>
+            <a:ext cx="375424" cy="261610"/>
+          </a:xfrm>
+          <a:prstGeom prst="rect">
+            <a:avLst/>
+          </a:prstGeom>
+          <a:noFill/>
+        </p:spPr>
+        <p:txBody>
+          <a:bodyPr wrap="none" rtlCol="0">
+            <a:spAutoFit/>
+          </a:bodyPr>
+          <a:lstStyle/>
+          <a:p>
+            <a:r>
+              <a:rPr lang="fr-FR" sz="1100" b="0" dirty="0" smtClean="0"/>
+              <a:t>P-C</a:t>
+            </a:r>
+            <a:endParaRPr lang="fr-FR" sz="1100" dirty="0"/>
+          </a:p>
+        </p:txBody>
+      </p:sp>
+      <p:sp>
+        <p:nvSpPr>
+          <p:cNvPr id="90" name="ZoneTexte 89"/>
+          <p:cNvSpPr txBox="1"/>
+          <p:nvPr/>
+        </p:nvSpPr>
+        <p:spPr>
+          <a:xfrm>
+            <a:off x="1525198" y="2442490"/>
+            <a:ext cx="737702" cy="246221"/>
+          </a:xfrm>
+          <a:prstGeom prst="rect">
+            <a:avLst/>
+          </a:prstGeom>
+          <a:noFill/>
+        </p:spPr>
+        <p:txBody>
+          <a:bodyPr wrap="none" rtlCol="0">
+            <a:spAutoFit/>
+          </a:bodyPr>
+          <a:lstStyle/>
+          <a:p>
+            <a:r>
+              <a:rPr lang="fr-FR" sz="1000" b="0" dirty="0" smtClean="0"/>
+              <a:t>Engrenage</a:t>
+            </a:r>
+            <a:endParaRPr lang="fr-FR" sz="1000" dirty="0"/>
+          </a:p>
+        </p:txBody>
+      </p:sp>
+      <p:sp>
+        <p:nvSpPr>
+          <p:cNvPr id="94" name="ZoneTexte 93"/>
+          <p:cNvSpPr txBox="1"/>
+          <p:nvPr/>
+        </p:nvSpPr>
+        <p:spPr>
+          <a:xfrm>
+            <a:off x="1149774" y="2596324"/>
+            <a:ext cx="375424" cy="261610"/>
+          </a:xfrm>
+          <a:prstGeom prst="rect">
+            <a:avLst/>
+          </a:prstGeom>
+          <a:noFill/>
+        </p:spPr>
+        <p:txBody>
+          <a:bodyPr wrap="none" rtlCol="0">
+            <a:spAutoFit/>
+          </a:bodyPr>
+          <a:lstStyle/>
+          <a:p>
+            <a:r>
+              <a:rPr lang="fr-FR" sz="1100" b="0" dirty="0" smtClean="0"/>
+              <a:t>P-C</a:t>
+            </a:r>
+            <a:endParaRPr lang="fr-FR" sz="1100" dirty="0"/>
+          </a:p>
+        </p:txBody>
+      </p:sp>
+      <p:sp>
+        <p:nvSpPr>
+          <p:cNvPr id="95" name="ZoneTexte 94"/>
+          <p:cNvSpPr txBox="1"/>
+          <p:nvPr/>
+        </p:nvSpPr>
+        <p:spPr>
+          <a:xfrm>
+            <a:off x="1139720" y="3988117"/>
+            <a:ext cx="375424" cy="261610"/>
+          </a:xfrm>
+          <a:prstGeom prst="rect">
+            <a:avLst/>
+          </a:prstGeom>
+          <a:noFill/>
+        </p:spPr>
+        <p:txBody>
+          <a:bodyPr wrap="none" rtlCol="0">
+            <a:spAutoFit/>
+          </a:bodyPr>
+          <a:lstStyle/>
+          <a:p>
+            <a:r>
+              <a:rPr lang="fr-FR" sz="1100" b="0" dirty="0" smtClean="0"/>
+              <a:t>P-C</a:t>
+            </a:r>
+            <a:endParaRPr lang="fr-FR" sz="1100" dirty="0"/>
+          </a:p>
+        </p:txBody>
+      </p:sp>
+      <p:sp>
+        <p:nvSpPr>
+          <p:cNvPr id="96" name="ZoneTexte 95"/>
+          <p:cNvSpPr txBox="1"/>
+          <p:nvPr/>
+        </p:nvSpPr>
+        <p:spPr>
+          <a:xfrm>
+            <a:off x="1144296" y="4457915"/>
+            <a:ext cx="375424" cy="261610"/>
+          </a:xfrm>
+          <a:prstGeom prst="rect">
+            <a:avLst/>
+          </a:prstGeom>
+          <a:noFill/>
+        </p:spPr>
+        <p:txBody>
+          <a:bodyPr wrap="none" rtlCol="0">
+            <a:spAutoFit/>
+          </a:bodyPr>
+          <a:lstStyle/>
+          <a:p>
+            <a:r>
+              <a:rPr lang="fr-FR" sz="1100" b="0" dirty="0" smtClean="0"/>
+              <a:t>P-C</a:t>
+            </a:r>
+            <a:endParaRPr lang="fr-FR" sz="1100" dirty="0"/>
+          </a:p>
+        </p:txBody>
+      </p:sp>
+      <p:sp>
+        <p:nvSpPr>
+          <p:cNvPr id="107" name="ZoneTexte 106"/>
+          <p:cNvSpPr txBox="1"/>
+          <p:nvPr/>
+        </p:nvSpPr>
+        <p:spPr>
+          <a:xfrm>
+            <a:off x="792959" y="2857934"/>
+            <a:ext cx="256802" cy="261610"/>
+          </a:xfrm>
+          <a:prstGeom prst="rect">
+            <a:avLst/>
+          </a:prstGeom>
+          <a:noFill/>
+        </p:spPr>
+        <p:txBody>
+          <a:bodyPr wrap="none" rtlCol="0">
+            <a:spAutoFit/>
+          </a:bodyPr>
+          <a:lstStyle/>
+          <a:p>
+            <a:r>
+              <a:rPr lang="fr-FR" sz="1100" b="0" dirty="0" smtClean="0"/>
+              <a:t>P</a:t>
+            </a:r>
+            <a:endParaRPr lang="fr-FR" sz="1100" dirty="0"/>
+          </a:p>
+        </p:txBody>
+      </p:sp>
+      <p:sp>
+        <p:nvSpPr>
+          <p:cNvPr id="108" name="ZoneTexte 107"/>
+          <p:cNvSpPr txBox="1"/>
+          <p:nvPr/>
+        </p:nvSpPr>
+        <p:spPr>
+          <a:xfrm>
+            <a:off x="814597" y="3149703"/>
+            <a:ext cx="256802" cy="261610"/>
+          </a:xfrm>
+          <a:prstGeom prst="rect">
+            <a:avLst/>
+          </a:prstGeom>
+          <a:noFill/>
+        </p:spPr>
+        <p:txBody>
+          <a:bodyPr wrap="none" rtlCol="0">
+            <a:spAutoFit/>
+          </a:bodyPr>
+          <a:lstStyle/>
+          <a:p>
+            <a:r>
+              <a:rPr lang="fr-FR" sz="1100" b="0" dirty="0" smtClean="0"/>
+              <a:t>P</a:t>
+            </a:r>
+            <a:endParaRPr lang="fr-FR" sz="1100" dirty="0"/>
+          </a:p>
+        </p:txBody>
+      </p:sp>
+      <p:sp>
+        <p:nvSpPr>
+          <p:cNvPr id="109" name="ZoneTexte 108"/>
+          <p:cNvSpPr txBox="1"/>
+          <p:nvPr/>
+        </p:nvSpPr>
+        <p:spPr>
+          <a:xfrm>
+            <a:off x="836235" y="3441472"/>
+            <a:ext cx="256802" cy="261610"/>
+          </a:xfrm>
+          <a:prstGeom prst="rect">
+            <a:avLst/>
+          </a:prstGeom>
+          <a:noFill/>
+        </p:spPr>
+        <p:txBody>
+          <a:bodyPr wrap="none" rtlCol="0">
+            <a:spAutoFit/>
+          </a:bodyPr>
+          <a:lstStyle/>
+          <a:p>
+            <a:r>
+              <a:rPr lang="fr-FR" sz="1100" b="0" dirty="0" smtClean="0"/>
+              <a:t>P</a:t>
+            </a:r>
+            <a:endParaRPr lang="fr-FR" sz="1100" dirty="0"/>
+          </a:p>
+        </p:txBody>
+      </p:sp>
+      <p:sp>
+        <p:nvSpPr>
+          <p:cNvPr id="110" name="ZoneTexte 109"/>
+          <p:cNvSpPr txBox="1"/>
+          <p:nvPr/>
+        </p:nvSpPr>
+        <p:spPr>
+          <a:xfrm>
+            <a:off x="857873" y="3733241"/>
+            <a:ext cx="256802" cy="261610"/>
+          </a:xfrm>
+          <a:prstGeom prst="rect">
+            <a:avLst/>
+          </a:prstGeom>
+          <a:noFill/>
+        </p:spPr>
+        <p:txBody>
+          <a:bodyPr wrap="none" rtlCol="0">
+            <a:spAutoFit/>
+          </a:bodyPr>
+          <a:lstStyle/>
+          <a:p>
+            <a:r>
+              <a:rPr lang="fr-FR" sz="1100" b="0" dirty="0" smtClean="0"/>
+              <a:t>P</a:t>
+            </a:r>
+            <a:endParaRPr lang="fr-FR" sz="1100" dirty="0"/>
+          </a:p>
+        </p:txBody>
+      </p:sp>
+      <p:sp>
+        <p:nvSpPr>
+          <p:cNvPr id="111" name="ZoneTexte 110"/>
+          <p:cNvSpPr txBox="1"/>
+          <p:nvPr/>
+        </p:nvSpPr>
+        <p:spPr>
+          <a:xfrm>
+            <a:off x="665846" y="4167203"/>
+            <a:ext cx="256802" cy="261610"/>
+          </a:xfrm>
+          <a:prstGeom prst="rect">
+            <a:avLst/>
+          </a:prstGeom>
+          <a:noFill/>
+        </p:spPr>
+        <p:txBody>
+          <a:bodyPr wrap="none" rtlCol="0">
+            <a:spAutoFit/>
+          </a:bodyPr>
+          <a:lstStyle/>
+          <a:p>
+            <a:r>
+              <a:rPr lang="fr-FR" sz="1100" b="0" dirty="0" smtClean="0"/>
+              <a:t>P</a:t>
+            </a:r>
+            <a:endParaRPr lang="fr-FR" sz="1100" dirty="0"/>
+          </a:p>
+        </p:txBody>
+      </p:sp>
+      <p:sp>
+        <p:nvSpPr>
+          <p:cNvPr id="112" name="ZoneTexte 111"/>
+          <p:cNvSpPr txBox="1"/>
+          <p:nvPr/>
+        </p:nvSpPr>
+        <p:spPr>
+          <a:xfrm>
+            <a:off x="1983190" y="3671887"/>
+            <a:ext cx="421910" cy="261610"/>
+          </a:xfrm>
+          <a:prstGeom prst="rect">
+            <a:avLst/>
+          </a:prstGeom>
+          <a:noFill/>
+        </p:spPr>
+        <p:txBody>
+          <a:bodyPr wrap="none" rtlCol="0">
+            <a:spAutoFit/>
+          </a:bodyPr>
+          <a:lstStyle/>
+          <a:p>
+            <a:r>
+              <a:rPr lang="fr-FR" sz="1100" b="1" dirty="0" smtClean="0">
+                <a:solidFill>
+                  <a:schemeClr val="bg1">
+                    <a:lumMod val="50000"/>
+                  </a:schemeClr>
+                </a:solidFill>
+              </a:rPr>
+              <a:t>RSG</a:t>
+            </a:r>
+            <a:endParaRPr lang="fr-FR" sz="1100" b="1" dirty="0">
+              <a:solidFill>
+                <a:schemeClr val="bg1">
+                  <a:lumMod val="50000"/>
+                </a:schemeClr>
+              </a:solidFill>
+            </a:endParaRPr>
+          </a:p>
+        </p:txBody>
+      </p:sp>
+    </p:spTree>
+    <p:extLst>
+      <p:ext uri="{BB962C8B-B14F-4D97-AF65-F5344CB8AC3E}">
+        <p14:creationId xmlns:p14="http://schemas.microsoft.com/office/powerpoint/2010/main" val="740641162"/>
       </p:ext>
     </p:extLst>
   </p:cSld>

--- a/Chapitre_01_Energetique/Application_01_MC2E/images/Figures.pptx
+++ b/Chapitre_01_Energetique/Application_01_MC2E/images/Figures.pptx
@@ -14117,36 +14117,6 @@
           </a:fontRef>
         </p:style>
       </p:cxnSp>
-      <p:sp>
-        <p:nvSpPr>
-          <p:cNvPr id="45" name="ZoneTexte 44"/>
-          <p:cNvSpPr txBox="1"/>
-          <p:nvPr/>
-        </p:nvSpPr>
-        <p:spPr>
-          <a:xfrm>
-            <a:off x="1401732" y="1340768"/>
-            <a:ext cx="1083951" cy="261610"/>
-          </a:xfrm>
-          <a:prstGeom prst="rect">
-            <a:avLst/>
-          </a:prstGeom>
-          <a:noFill/>
-        </p:spPr>
-        <p:txBody>
-          <a:bodyPr wrap="none" rtlCol="0">
-            <a:spAutoFit/>
-          </a:bodyPr>
-          <a:lstStyle/>
-          <a:p>
-            <a:r>
-              <a:rPr lang="fr-FR" sz="1100" b="0" dirty="0" smtClean="0"/>
-              <a:t>Liaison à définir</a:t>
-            </a:r>
-            <a:endParaRPr lang="fr-FR" sz="1100" dirty="0"/>
-          </a:p>
-        </p:txBody>
-      </p:sp>
       <p:cxnSp>
         <p:nvCxnSpPr>
           <p:cNvPr id="46" name="Connecteur droit 45"/>
@@ -15179,7 +15149,7 @@
         </p:nvSpPr>
         <p:spPr>
           <a:xfrm rot="17841194">
-            <a:off x="224738" y="2512221"/>
+            <a:off x="350168" y="2505032"/>
             <a:ext cx="795411" cy="261610"/>
           </a:xfrm>
           <a:prstGeom prst="rect">
@@ -15195,9 +15165,21 @@
           <a:p>
             <a:r>
               <a:rPr lang="fr-FR" sz="1100" b="0" dirty="0" smtClean="0"/>
-              <a:t>Pivot + Cm</a:t>
+              <a:t>Pivot </a:t>
             </a:r>
-            <a:endParaRPr lang="fr-FR" sz="1100" dirty="0"/>
+            <a:r>
+              <a:rPr lang="fr-FR" sz="1100" b="1" dirty="0" smtClean="0">
+                <a:solidFill>
+                  <a:srgbClr val="C00000"/>
+                </a:solidFill>
+              </a:rPr>
+              <a:t>+ Cm</a:t>
+            </a:r>
+            <a:endParaRPr lang="fr-FR" sz="1100" b="1" dirty="0">
+              <a:solidFill>
+                <a:srgbClr val="C00000"/>
+              </a:solidFill>
+            </a:endParaRPr>
           </a:p>
         </p:txBody>
       </p:sp>
@@ -15359,7 +15341,7 @@
         </p:nvSpPr>
         <p:spPr>
           <a:xfrm>
-            <a:off x="792959" y="2857934"/>
+            <a:off x="789987" y="2857934"/>
             <a:ext cx="256802" cy="261610"/>
           </a:xfrm>
           <a:prstGeom prst="rect">
@@ -15389,7 +15371,7 @@
         </p:nvSpPr>
         <p:spPr>
           <a:xfrm>
-            <a:off x="814597" y="3149703"/>
+            <a:off x="789987" y="3176889"/>
             <a:ext cx="256802" cy="261610"/>
           </a:xfrm>
           <a:prstGeom prst="rect">
@@ -15419,7 +15401,7 @@
         </p:nvSpPr>
         <p:spPr>
           <a:xfrm>
-            <a:off x="836235" y="3441472"/>
+            <a:off x="789987" y="3438499"/>
             <a:ext cx="256802" cy="261610"/>
           </a:xfrm>
           <a:prstGeom prst="rect">
@@ -15449,7 +15431,7 @@
         </p:nvSpPr>
         <p:spPr>
           <a:xfrm>
-            <a:off x="857873" y="3733241"/>
+            <a:off x="789987" y="3717111"/>
             <a:ext cx="256802" cy="261610"/>
           </a:xfrm>
           <a:prstGeom prst="rect">
@@ -15479,7 +15461,7 @@
         </p:nvSpPr>
         <p:spPr>
           <a:xfrm>
-            <a:off x="665846" y="4167203"/>
+            <a:off x="789987" y="4527606"/>
             <a:ext cx="256802" cy="261610"/>
           </a:xfrm>
           <a:prstGeom prst="rect">
@@ -15509,7 +15491,7 @@
         </p:nvSpPr>
         <p:spPr>
           <a:xfrm>
-            <a:off x="1983190" y="3671887"/>
+            <a:off x="1840990" y="3886751"/>
             <a:ext cx="421910" cy="261610"/>
           </a:xfrm>
           <a:prstGeom prst="rect">
@@ -15538,6 +15520,122 @@
                 <a:schemeClr val="bg1">
                   <a:lumMod val="50000"/>
                 </a:schemeClr>
+              </a:solidFill>
+            </a:endParaRPr>
+          </a:p>
+        </p:txBody>
+      </p:sp>
+      <p:sp>
+        <p:nvSpPr>
+          <p:cNvPr id="2" name="Éclair 1"/>
+          <p:cNvSpPr/>
+          <p:nvPr/>
+        </p:nvSpPr>
+        <p:spPr>
+          <a:xfrm rot="4133968">
+            <a:off x="2249831" y="2851035"/>
+            <a:ext cx="288032" cy="396282"/>
+          </a:xfrm>
+          <a:prstGeom prst="lightningBolt">
+            <a:avLst/>
+          </a:prstGeom>
+          <a:solidFill>
+            <a:srgbClr val="FFC000"/>
+          </a:solidFill>
+          <a:ln w="12700">
+            <a:solidFill>
+              <a:srgbClr val="C00000"/>
+            </a:solidFill>
+          </a:ln>
+        </p:spPr>
+        <p:style>
+          <a:lnRef idx="2">
+            <a:schemeClr val="accent1">
+              <a:shade val="50000"/>
+            </a:schemeClr>
+          </a:lnRef>
+          <a:fillRef idx="1">
+            <a:schemeClr val="accent1"/>
+          </a:fillRef>
+          <a:effectRef idx="0">
+            <a:schemeClr val="accent1"/>
+          </a:effectRef>
+          <a:fontRef idx="minor">
+            <a:schemeClr val="lt1"/>
+          </a:fontRef>
+        </p:style>
+        <p:txBody>
+          <a:bodyPr rtlCol="0" anchor="ctr"/>
+          <a:lstStyle/>
+          <a:p>
+            <a:pPr algn="ctr"/>
+            <a:endParaRPr lang="fr-FR" b="1">
+              <a:ln w="12700">
+                <a:solidFill>
+                  <a:schemeClr val="tx2">
+                    <a:satMod val="155000"/>
+                  </a:schemeClr>
+                </a:solidFill>
+                <a:prstDash val="solid"/>
+              </a:ln>
+              <a:solidFill>
+                <a:schemeClr val="bg2">
+                  <a:tint val="85000"/>
+                  <a:satMod val="155000"/>
+                </a:schemeClr>
+              </a:solidFill>
+              <a:effectLst>
+                <a:outerShdw blurRad="41275" dist="20320" dir="1800000" algn="tl" rotWithShape="0">
+                  <a:srgbClr val="000000">
+                    <a:alpha val="40000"/>
+                  </a:srgbClr>
+                </a:outerShdw>
+              </a:effectLst>
+            </a:endParaRPr>
+          </a:p>
+        </p:txBody>
+      </p:sp>
+      <p:sp>
+        <p:nvSpPr>
+          <p:cNvPr id="47" name="ZoneTexte 46"/>
+          <p:cNvSpPr txBox="1"/>
+          <p:nvPr/>
+        </p:nvSpPr>
+        <p:spPr>
+          <a:xfrm>
+            <a:off x="2457081" y="2666156"/>
+            <a:ext cx="521297" cy="261610"/>
+          </a:xfrm>
+          <a:prstGeom prst="rect">
+            <a:avLst/>
+          </a:prstGeom>
+          <a:noFill/>
+        </p:spPr>
+        <p:txBody>
+          <a:bodyPr wrap="none" rtlCol="0">
+            <a:spAutoFit/>
+          </a:bodyPr>
+          <a:lstStyle/>
+          <a:p>
+            <a:r>
+              <a:rPr lang="fr-FR" sz="1100" b="1" dirty="0" err="1" smtClean="0">
+                <a:solidFill>
+                  <a:srgbClr val="C00000"/>
+                </a:solidFill>
+              </a:rPr>
+              <a:t>F</a:t>
+            </a:r>
+            <a:r>
+              <a:rPr lang="fr-FR" sz="1100" b="1" baseline="-25000" dirty="0" err="1" smtClean="0">
+                <a:solidFill>
+                  <a:srgbClr val="C00000"/>
+                </a:solidFill>
+              </a:rPr>
+              <a:t>ressort</a:t>
+            </a:r>
+            <a:endParaRPr lang="fr-FR" sz="1100" b="1" baseline="-25000" dirty="0">
+              <a:solidFill>
+                <a:srgbClr val="C00000"/>
               </a:solidFill>
             </a:endParaRPr>
           </a:p>
